--- a/Lecture_Note/Week_2/3.Data_Visualization.pptx
+++ b/Lecture_Note/Week_2/3.Data_Visualization.pptx
@@ -5,7 +5,7 @@
     <p:sldMasterId id="2147483648" r:id="rId1"/>
   </p:sldMasterIdLst>
   <p:notesMasterIdLst>
-    <p:notesMasterId r:id="rId18"/>
+    <p:notesMasterId r:id="rId19"/>
   </p:notesMasterIdLst>
   <p:sldIdLst>
     <p:sldId id="256" r:id="rId2"/>
@@ -24,6 +24,7 @@
     <p:sldId id="281" r:id="rId15"/>
     <p:sldId id="280" r:id="rId16"/>
     <p:sldId id="282" r:id="rId17"/>
+    <p:sldId id="283" r:id="rId18"/>
   </p:sldIdLst>
   <p:sldSz cx="12192000" cy="6858000"/>
   <p:notesSz cx="6858000" cy="9144000"/>
@@ -212,7 +213,7 @@
           <a:p>
             <a:fld id="{03D2E21A-6EC1-49E3-AD5B-838B6E8F926A}" type="datetimeFigureOut">
               <a:rPr lang="ko-KR" altLang="en-US" smtClean="0"/>
-              <a:t>2020-07-23</a:t>
+              <a:t>2020-07-25</a:t>
             </a:fld>
             <a:endParaRPr lang="ko-KR" altLang="en-US"/>
           </a:p>
@@ -983,6 +984,90 @@
 </p:notes>
 </file>
 
+<file path=ppt/notesSlides/notesSlide7.xml><?xml version="1.0" encoding="utf-8"?>
+<p:notes xmlns:a="http://schemas.openxmlformats.org/drawingml/2006/main" xmlns:r="http://schemas.openxmlformats.org/officeDocument/2006/relationships" xmlns:p="http://schemas.openxmlformats.org/presentationml/2006/main">
+  <p:cSld>
+    <p:spTree>
+      <p:nvGrpSpPr>
+        <p:cNvPr id="1" name=""/>
+        <p:cNvGrpSpPr/>
+        <p:nvPr/>
+      </p:nvGrpSpPr>
+      <p:grpSpPr>
+        <a:xfrm>
+          <a:off x="0" y="0"/>
+          <a:ext cx="0" cy="0"/>
+          <a:chOff x="0" y="0"/>
+          <a:chExt cx="0" cy="0"/>
+        </a:xfrm>
+      </p:grpSpPr>
+      <p:sp>
+        <p:nvSpPr>
+          <p:cNvPr id="2" name="슬라이드 이미지 개체 틀 1"/>
+          <p:cNvSpPr>
+            <a:spLocks noGrp="1" noRot="1" noChangeAspect="1"/>
+          </p:cNvSpPr>
+          <p:nvPr>
+            <p:ph type="sldImg"/>
+          </p:nvPr>
+        </p:nvSpPr>
+        <p:spPr/>
+      </p:sp>
+      <p:sp>
+        <p:nvSpPr>
+          <p:cNvPr id="3" name="슬라이드 노트 개체 틀 2"/>
+          <p:cNvSpPr>
+            <a:spLocks noGrp="1"/>
+          </p:cNvSpPr>
+          <p:nvPr>
+            <p:ph type="body" idx="1"/>
+          </p:nvPr>
+        </p:nvSpPr>
+        <p:spPr/>
+        <p:txBody>
+          <a:bodyPr/>
+          <a:lstStyle/>
+          <a:p>
+            <a:endParaRPr lang="ko-KR" altLang="en-US" dirty="0"/>
+          </a:p>
+        </p:txBody>
+      </p:sp>
+      <p:sp>
+        <p:nvSpPr>
+          <p:cNvPr id="4" name="슬라이드 번호 개체 틀 3"/>
+          <p:cNvSpPr>
+            <a:spLocks noGrp="1"/>
+          </p:cNvSpPr>
+          <p:nvPr>
+            <p:ph type="sldNum" sz="quarter" idx="5"/>
+          </p:nvPr>
+        </p:nvSpPr>
+        <p:spPr/>
+        <p:txBody>
+          <a:bodyPr/>
+          <a:lstStyle/>
+          <a:p>
+            <a:fld id="{94992F41-51F7-4B6A-80D2-C81B98E65CFF}" type="slidenum">
+              <a:rPr lang="ko-KR" altLang="en-US" smtClean="0"/>
+              <a:t>17</a:t>
+            </a:fld>
+            <a:endParaRPr lang="ko-KR" altLang="en-US"/>
+          </a:p>
+        </p:txBody>
+      </p:sp>
+    </p:spTree>
+    <p:extLst>
+      <p:ext uri="{BB962C8B-B14F-4D97-AF65-F5344CB8AC3E}">
+        <p14:creationId xmlns:p14="http://schemas.microsoft.com/office/powerpoint/2010/main" val="1239031170"/>
+      </p:ext>
+    </p:extLst>
+  </p:cSld>
+  <p:clrMapOvr>
+    <a:masterClrMapping/>
+  </p:clrMapOvr>
+</p:notes>
+</file>
+
 <file path=ppt/slideLayouts/slideLayout1.xml><?xml version="1.0" encoding="utf-8"?>
 <p:sldLayout xmlns:a="http://schemas.openxmlformats.org/drawingml/2006/main" xmlns:r="http://schemas.openxmlformats.org/officeDocument/2006/relationships" xmlns:p="http://schemas.openxmlformats.org/presentationml/2006/main" type="title" preserve="1">
   <p:cSld name="제목 슬라이드">
@@ -1130,7 +1215,7 @@
           <a:p>
             <a:fld id="{A17AD9BD-C196-4A74-8A4C-B3A0F97DF359}" type="datetimeFigureOut">
               <a:rPr lang="ko-KR" altLang="en-US" smtClean="0"/>
-              <a:t>2020-07-22</a:t>
+              <a:t>2020-07-25</a:t>
             </a:fld>
             <a:endParaRPr lang="ko-KR" altLang="en-US"/>
           </a:p>
@@ -1328,7 +1413,7 @@
           <a:p>
             <a:fld id="{A17AD9BD-C196-4A74-8A4C-B3A0F97DF359}" type="datetimeFigureOut">
               <a:rPr lang="ko-KR" altLang="en-US" smtClean="0"/>
-              <a:t>2020-07-22</a:t>
+              <a:t>2020-07-25</a:t>
             </a:fld>
             <a:endParaRPr lang="ko-KR" altLang="en-US"/>
           </a:p>
@@ -1536,7 +1621,7 @@
           <a:p>
             <a:fld id="{A17AD9BD-C196-4A74-8A4C-B3A0F97DF359}" type="datetimeFigureOut">
               <a:rPr lang="ko-KR" altLang="en-US" smtClean="0"/>
-              <a:t>2020-07-22</a:t>
+              <a:t>2020-07-25</a:t>
             </a:fld>
             <a:endParaRPr lang="ko-KR" altLang="en-US"/>
           </a:p>
@@ -1734,7 +1819,7 @@
           <a:p>
             <a:fld id="{A17AD9BD-C196-4A74-8A4C-B3A0F97DF359}" type="datetimeFigureOut">
               <a:rPr lang="ko-KR" altLang="en-US" smtClean="0"/>
-              <a:t>2020-07-22</a:t>
+              <a:t>2020-07-25</a:t>
             </a:fld>
             <a:endParaRPr lang="ko-KR" altLang="en-US"/>
           </a:p>
@@ -2009,7 +2094,7 @@
           <a:p>
             <a:fld id="{A17AD9BD-C196-4A74-8A4C-B3A0F97DF359}" type="datetimeFigureOut">
               <a:rPr lang="ko-KR" altLang="en-US" smtClean="0"/>
-              <a:t>2020-07-22</a:t>
+              <a:t>2020-07-25</a:t>
             </a:fld>
             <a:endParaRPr lang="ko-KR" altLang="en-US"/>
           </a:p>
@@ -2274,7 +2359,7 @@
           <a:p>
             <a:fld id="{A17AD9BD-C196-4A74-8A4C-B3A0F97DF359}" type="datetimeFigureOut">
               <a:rPr lang="ko-KR" altLang="en-US" smtClean="0"/>
-              <a:t>2020-07-22</a:t>
+              <a:t>2020-07-25</a:t>
             </a:fld>
             <a:endParaRPr lang="ko-KR" altLang="en-US"/>
           </a:p>
@@ -2686,7 +2771,7 @@
           <a:p>
             <a:fld id="{A17AD9BD-C196-4A74-8A4C-B3A0F97DF359}" type="datetimeFigureOut">
               <a:rPr lang="ko-KR" altLang="en-US" smtClean="0"/>
-              <a:t>2020-07-22</a:t>
+              <a:t>2020-07-25</a:t>
             </a:fld>
             <a:endParaRPr lang="ko-KR" altLang="en-US"/>
           </a:p>
@@ -2827,7 +2912,7 @@
           <a:p>
             <a:fld id="{A17AD9BD-C196-4A74-8A4C-B3A0F97DF359}" type="datetimeFigureOut">
               <a:rPr lang="ko-KR" altLang="en-US" smtClean="0"/>
-              <a:t>2020-07-22</a:t>
+              <a:t>2020-07-25</a:t>
             </a:fld>
             <a:endParaRPr lang="ko-KR" altLang="en-US"/>
           </a:p>
@@ -2940,7 +3025,7 @@
           <a:p>
             <a:fld id="{A17AD9BD-C196-4A74-8A4C-B3A0F97DF359}" type="datetimeFigureOut">
               <a:rPr lang="ko-KR" altLang="en-US" smtClean="0"/>
-              <a:t>2020-07-22</a:t>
+              <a:t>2020-07-25</a:t>
             </a:fld>
             <a:endParaRPr lang="ko-KR" altLang="en-US"/>
           </a:p>
@@ -3251,7 +3336,7 @@
           <a:p>
             <a:fld id="{A17AD9BD-C196-4A74-8A4C-B3A0F97DF359}" type="datetimeFigureOut">
               <a:rPr lang="ko-KR" altLang="en-US" smtClean="0"/>
-              <a:t>2020-07-22</a:t>
+              <a:t>2020-07-25</a:t>
             </a:fld>
             <a:endParaRPr lang="ko-KR" altLang="en-US"/>
           </a:p>
@@ -3539,7 +3624,7 @@
           <a:p>
             <a:fld id="{A17AD9BD-C196-4A74-8A4C-B3A0F97DF359}" type="datetimeFigureOut">
               <a:rPr lang="ko-KR" altLang="en-US" smtClean="0"/>
-              <a:t>2020-07-22</a:t>
+              <a:t>2020-07-25</a:t>
             </a:fld>
             <a:endParaRPr lang="ko-KR" altLang="en-US"/>
           </a:p>
@@ -3780,7 +3865,7 @@
           <a:p>
             <a:fld id="{A17AD9BD-C196-4A74-8A4C-B3A0F97DF359}" type="datetimeFigureOut">
               <a:rPr lang="ko-KR" altLang="en-US" smtClean="0"/>
-              <a:t>2020-07-22</a:t>
+              <a:t>2020-07-25</a:t>
             </a:fld>
             <a:endParaRPr lang="ko-KR" altLang="en-US"/>
           </a:p>
@@ -6261,6 +6346,271 @@
     <p:extLst>
       <p:ext uri="{BB962C8B-B14F-4D97-AF65-F5344CB8AC3E}">
         <p14:creationId xmlns:p14="http://schemas.microsoft.com/office/powerpoint/2010/main" val="2924938718"/>
+      </p:ext>
+    </p:extLst>
+  </p:cSld>
+  <p:clrMapOvr>
+    <a:masterClrMapping/>
+  </p:clrMapOvr>
+</p:sld>
+</file>
+
+<file path=ppt/slides/slide17.xml><?xml version="1.0" encoding="utf-8"?>
+<p:sld xmlns:a="http://schemas.openxmlformats.org/drawingml/2006/main" xmlns:r="http://schemas.openxmlformats.org/officeDocument/2006/relationships" xmlns:p="http://schemas.openxmlformats.org/presentationml/2006/main">
+  <p:cSld>
+    <p:bg>
+      <p:bgPr>
+        <a:solidFill>
+          <a:schemeClr val="accent5">
+            <a:lumMod val="60000"/>
+            <a:lumOff val="40000"/>
+          </a:schemeClr>
+        </a:solidFill>
+        <a:effectLst/>
+      </p:bgPr>
+    </p:bg>
+    <p:spTree>
+      <p:nvGrpSpPr>
+        <p:cNvPr id="1" name=""/>
+        <p:cNvGrpSpPr/>
+        <p:nvPr/>
+      </p:nvGrpSpPr>
+      <p:grpSpPr>
+        <a:xfrm>
+          <a:off x="0" y="0"/>
+          <a:ext cx="0" cy="0"/>
+          <a:chOff x="0" y="0"/>
+          <a:chExt cx="0" cy="0"/>
+        </a:xfrm>
+      </p:grpSpPr>
+      <p:sp>
+        <p:nvSpPr>
+          <p:cNvPr id="5" name="직사각형 4">
+            <a:extLst>
+              <a:ext uri="{FF2B5EF4-FFF2-40B4-BE49-F238E27FC236}">
+                <a16:creationId xmlns:a16="http://schemas.microsoft.com/office/drawing/2014/main" id="{E7352500-24F3-4F0E-AD71-5EFD93199504}"/>
+              </a:ext>
+            </a:extLst>
+          </p:cNvPr>
+          <p:cNvSpPr/>
+          <p:nvPr/>
+        </p:nvSpPr>
+        <p:spPr>
+          <a:xfrm>
+            <a:off x="659996" y="374099"/>
+            <a:ext cx="10872008" cy="6109802"/>
+          </a:xfrm>
+          <a:prstGeom prst="rect">
+            <a:avLst/>
+          </a:prstGeom>
+          <a:solidFill>
+            <a:schemeClr val="bg1"/>
+          </a:solidFill>
+          <a:ln w="76200">
+            <a:solidFill>
+              <a:schemeClr val="bg2"/>
+            </a:solidFill>
+          </a:ln>
+        </p:spPr>
+        <p:style>
+          <a:lnRef idx="2">
+            <a:schemeClr val="accent1">
+              <a:shade val="50000"/>
+            </a:schemeClr>
+          </a:lnRef>
+          <a:fillRef idx="1">
+            <a:schemeClr val="accent1"/>
+          </a:fillRef>
+          <a:effectRef idx="0">
+            <a:schemeClr val="accent1"/>
+          </a:effectRef>
+          <a:fontRef idx="minor">
+            <a:schemeClr val="lt1"/>
+          </a:fontRef>
+        </p:style>
+        <p:txBody>
+          <a:bodyPr rtlCol="0" anchor="ctr"/>
+          <a:lstStyle/>
+          <a:p>
+            <a:pPr algn="ctr"/>
+            <a:endParaRPr lang="ko-KR" altLang="en-US" dirty="0"/>
+          </a:p>
+        </p:txBody>
+      </p:sp>
+      <p:sp>
+        <p:nvSpPr>
+          <p:cNvPr id="6" name="TextBox 5">
+            <a:extLst>
+              <a:ext uri="{FF2B5EF4-FFF2-40B4-BE49-F238E27FC236}">
+                <a16:creationId xmlns:a16="http://schemas.microsoft.com/office/drawing/2014/main" id="{29991934-6B99-4474-A2B9-740F069460FD}"/>
+              </a:ext>
+            </a:extLst>
+          </p:cNvPr>
+          <p:cNvSpPr txBox="1"/>
+          <p:nvPr/>
+        </p:nvSpPr>
+        <p:spPr>
+          <a:xfrm>
+            <a:off x="3832777" y="2547881"/>
+            <a:ext cx="6114010" cy="1323439"/>
+          </a:xfrm>
+          <a:prstGeom prst="rect">
+            <a:avLst/>
+          </a:prstGeom>
+          <a:noFill/>
+        </p:spPr>
+        <p:txBody>
+          <a:bodyPr wrap="square">
+            <a:spAutoFit/>
+          </a:bodyPr>
+          <a:lstStyle/>
+          <a:p>
+            <a:r>
+              <a:rPr lang="en-US" altLang="ko-KR" sz="4000" dirty="0">
+                <a:solidFill>
+                  <a:schemeClr val="bg2">
+                    <a:lumMod val="25000"/>
+                  </a:schemeClr>
+                </a:solidFill>
+                <a:latin typeface="에스코어 드림 5 Medium" panose="020B0503030302020204" pitchFamily="34" charset="-127"/>
+                <a:ea typeface="에스코어 드림 5 Medium" panose="020B0503030302020204" pitchFamily="34" charset="-127"/>
+              </a:rPr>
+              <a:t>Seaborn</a:t>
+            </a:r>
+            <a:r>
+              <a:rPr lang="ko-KR" altLang="en-US" sz="4000" dirty="0">
+                <a:solidFill>
+                  <a:schemeClr val="bg2">
+                    <a:lumMod val="25000"/>
+                  </a:schemeClr>
+                </a:solidFill>
+                <a:latin typeface="에스코어 드림 5 Medium" panose="020B0503030302020204" pitchFamily="34" charset="-127"/>
+                <a:ea typeface="에스코어 드림 5 Medium" panose="020B0503030302020204" pitchFamily="34" charset="-127"/>
+              </a:rPr>
+              <a:t>을 사용한</a:t>
+            </a:r>
+            <a:endParaRPr lang="en-US" altLang="ko-KR" sz="4000" dirty="0">
+              <a:solidFill>
+                <a:schemeClr val="bg2">
+                  <a:lumMod val="25000"/>
+                </a:schemeClr>
+              </a:solidFill>
+              <a:latin typeface="에스코어 드림 5 Medium" panose="020B0503030302020204" pitchFamily="34" charset="-127"/>
+              <a:ea typeface="에스코어 드림 5 Medium" panose="020B0503030302020204" pitchFamily="34" charset="-127"/>
+            </a:endParaRPr>
+          </a:p>
+          <a:p>
+            <a:r>
+              <a:rPr lang="ko-KR" altLang="en-US" sz="4000" dirty="0">
+                <a:solidFill>
+                  <a:schemeClr val="bg2">
+                    <a:lumMod val="25000"/>
+                  </a:schemeClr>
+                </a:solidFill>
+                <a:latin typeface="에스코어 드림 5 Medium" panose="020B0503030302020204" pitchFamily="34" charset="-127"/>
+                <a:ea typeface="에스코어 드림 5 Medium" panose="020B0503030302020204" pitchFamily="34" charset="-127"/>
+              </a:rPr>
+              <a:t>데이터 분포 시각화</a:t>
+            </a:r>
+            <a:endParaRPr lang="en-US" altLang="ko-KR" sz="4000" dirty="0">
+              <a:solidFill>
+                <a:schemeClr val="bg2">
+                  <a:lumMod val="25000"/>
+                </a:schemeClr>
+              </a:solidFill>
+              <a:latin typeface="에스코어 드림 5 Medium" panose="020B0503030302020204" pitchFamily="34" charset="-127"/>
+              <a:ea typeface="에스코어 드림 5 Medium" panose="020B0503030302020204" pitchFamily="34" charset="-127"/>
+            </a:endParaRPr>
+          </a:p>
+        </p:txBody>
+      </p:sp>
+      <p:sp>
+        <p:nvSpPr>
+          <p:cNvPr id="8" name="TextBox 7">
+            <a:extLst>
+              <a:ext uri="{FF2B5EF4-FFF2-40B4-BE49-F238E27FC236}">
+                <a16:creationId xmlns:a16="http://schemas.microsoft.com/office/drawing/2014/main" id="{8737DC52-2E27-4AD6-AA1B-515028F775F3}"/>
+              </a:ext>
+            </a:extLst>
+          </p:cNvPr>
+          <p:cNvSpPr txBox="1"/>
+          <p:nvPr/>
+        </p:nvSpPr>
+        <p:spPr>
+          <a:xfrm>
+            <a:off x="3048000" y="2091704"/>
+            <a:ext cx="6096000" cy="369332"/>
+          </a:xfrm>
+          <a:prstGeom prst="rect">
+            <a:avLst/>
+          </a:prstGeom>
+          <a:noFill/>
+        </p:spPr>
+        <p:txBody>
+          <a:bodyPr wrap="square">
+            <a:spAutoFit/>
+          </a:bodyPr>
+          <a:lstStyle/>
+          <a:p>
+            <a:pPr algn="ctr"/>
+            <a:r>
+              <a:rPr lang="ko-KR" altLang="en-US" dirty="0">
+                <a:solidFill>
+                  <a:schemeClr val="bg2">
+                    <a:lumMod val="25000"/>
+                  </a:schemeClr>
+                </a:solidFill>
+                <a:latin typeface="에스코어 드림 5 Medium" panose="020B0503030302020204" pitchFamily="34" charset="-127"/>
+                <a:ea typeface="에스코어 드림 5 Medium" panose="020B0503030302020204" pitchFamily="34" charset="-127"/>
+              </a:rPr>
+              <a:t>학습자료</a:t>
+            </a:r>
+            <a:endParaRPr lang="ko-KR" altLang="en-US" dirty="0"/>
+          </a:p>
+        </p:txBody>
+      </p:sp>
+      <p:sp>
+        <p:nvSpPr>
+          <p:cNvPr id="9" name="TextBox 8">
+            <a:extLst>
+              <a:ext uri="{FF2B5EF4-FFF2-40B4-BE49-F238E27FC236}">
+                <a16:creationId xmlns:a16="http://schemas.microsoft.com/office/drawing/2014/main" id="{A7481697-602F-4AAF-8B8F-B6AB14BBCCE9}"/>
+              </a:ext>
+            </a:extLst>
+          </p:cNvPr>
+          <p:cNvSpPr txBox="1"/>
+          <p:nvPr/>
+        </p:nvSpPr>
+        <p:spPr>
+          <a:xfrm>
+            <a:off x="3048000" y="4310119"/>
+            <a:ext cx="6096000" cy="646331"/>
+          </a:xfrm>
+          <a:prstGeom prst="rect">
+            <a:avLst/>
+          </a:prstGeom>
+          <a:noFill/>
+        </p:spPr>
+        <p:txBody>
+          <a:bodyPr wrap="square">
+            <a:spAutoFit/>
+          </a:bodyPr>
+          <a:lstStyle/>
+          <a:p>
+            <a:r>
+              <a:rPr lang="en-US" altLang="ko-KR" dirty="0">
+                <a:hlinkClick r:id="rId3"/>
+              </a:rPr>
+              <a:t>https://datascienceschool.net/view-notebook/4c2d5ff1caab4b21a708cc662137bc65/</a:t>
+            </a:r>
+            <a:endParaRPr lang="ko-KR" altLang="en-US" dirty="0"/>
+          </a:p>
+        </p:txBody>
+      </p:sp>
+    </p:spTree>
+    <p:extLst>
+      <p:ext uri="{BB962C8B-B14F-4D97-AF65-F5344CB8AC3E}">
+        <p14:creationId xmlns:p14="http://schemas.microsoft.com/office/powerpoint/2010/main" val="3040077297"/>
       </p:ext>
     </p:extLst>
   </p:cSld>
